--- a/Лекции вводные/2 лекция.pptx
+++ b/Лекции вводные/2 лекция.pptx
@@ -24,6 +24,9 @@
     <p:sldId id="271" r:id="rId18"/>
     <p:sldId id="273" r:id="rId19"/>
     <p:sldId id="274" r:id="rId20"/>
+    <p:sldId id="275" r:id="rId21"/>
+    <p:sldId id="277" r:id="rId22"/>
+    <p:sldId id="276" r:id="rId23"/>
   </p:sldIdLst>
   <p:sldSz cx="12192000" cy="6858000"/>
   <p:notesSz cx="6858000" cy="9144000"/>
@@ -122,6 +125,11 @@
       </a:defRPr>
     </a:lvl9pPr>
   </p:defaultTextStyle>
+  <p:extLst>
+    <p:ext uri="{EFAFB233-063F-42B5-8137-9DF3F51BA10A}">
+      <p15:sldGuideLst xmlns:p15="http://schemas.microsoft.com/office/powerpoint/2012/main"/>
+    </p:ext>
+  </p:extLst>
 </p:presentation>
 </file>
 
@@ -256,7 +264,7 @@
           <a:p>
             <a:fld id="{E1BC3632-A89B-4CA4-861B-02AA664A4B5E}" type="datetimeFigureOut">
               <a:rPr lang="ru-RU" smtClean="0"/>
-              <a:t>17.04.2018</a:t>
+              <a:t>21.04.2018</a:t>
             </a:fld>
             <a:endParaRPr lang="ru-RU"/>
           </a:p>
@@ -426,7 +434,7 @@
           <a:p>
             <a:fld id="{E1BC3632-A89B-4CA4-861B-02AA664A4B5E}" type="datetimeFigureOut">
               <a:rPr lang="ru-RU" smtClean="0"/>
-              <a:t>17.04.2018</a:t>
+              <a:t>21.04.2018</a:t>
             </a:fld>
             <a:endParaRPr lang="ru-RU"/>
           </a:p>
@@ -606,7 +614,7 @@
           <a:p>
             <a:fld id="{E1BC3632-A89B-4CA4-861B-02AA664A4B5E}" type="datetimeFigureOut">
               <a:rPr lang="ru-RU" smtClean="0"/>
-              <a:t>17.04.2018</a:t>
+              <a:t>21.04.2018</a:t>
             </a:fld>
             <a:endParaRPr lang="ru-RU"/>
           </a:p>
@@ -776,7 +784,7 @@
           <a:p>
             <a:fld id="{E1BC3632-A89B-4CA4-861B-02AA664A4B5E}" type="datetimeFigureOut">
               <a:rPr lang="ru-RU" smtClean="0"/>
-              <a:t>17.04.2018</a:t>
+              <a:t>21.04.2018</a:t>
             </a:fld>
             <a:endParaRPr lang="ru-RU"/>
           </a:p>
@@ -1022,7 +1030,7 @@
           <a:p>
             <a:fld id="{E1BC3632-A89B-4CA4-861B-02AA664A4B5E}" type="datetimeFigureOut">
               <a:rPr lang="ru-RU" smtClean="0"/>
-              <a:t>17.04.2018</a:t>
+              <a:t>21.04.2018</a:t>
             </a:fld>
             <a:endParaRPr lang="ru-RU"/>
           </a:p>
@@ -1254,7 +1262,7 @@
           <a:p>
             <a:fld id="{E1BC3632-A89B-4CA4-861B-02AA664A4B5E}" type="datetimeFigureOut">
               <a:rPr lang="ru-RU" smtClean="0"/>
-              <a:t>17.04.2018</a:t>
+              <a:t>21.04.2018</a:t>
             </a:fld>
             <a:endParaRPr lang="ru-RU"/>
           </a:p>
@@ -1621,7 +1629,7 @@
           <a:p>
             <a:fld id="{E1BC3632-A89B-4CA4-861B-02AA664A4B5E}" type="datetimeFigureOut">
               <a:rPr lang="ru-RU" smtClean="0"/>
-              <a:t>17.04.2018</a:t>
+              <a:t>21.04.2018</a:t>
             </a:fld>
             <a:endParaRPr lang="ru-RU"/>
           </a:p>
@@ -1739,7 +1747,7 @@
           <a:p>
             <a:fld id="{E1BC3632-A89B-4CA4-861B-02AA664A4B5E}" type="datetimeFigureOut">
               <a:rPr lang="ru-RU" smtClean="0"/>
-              <a:t>17.04.2018</a:t>
+              <a:t>21.04.2018</a:t>
             </a:fld>
             <a:endParaRPr lang="ru-RU"/>
           </a:p>
@@ -1834,7 +1842,7 @@
           <a:p>
             <a:fld id="{E1BC3632-A89B-4CA4-861B-02AA664A4B5E}" type="datetimeFigureOut">
               <a:rPr lang="ru-RU" smtClean="0"/>
-              <a:t>17.04.2018</a:t>
+              <a:t>21.04.2018</a:t>
             </a:fld>
             <a:endParaRPr lang="ru-RU"/>
           </a:p>
@@ -2111,7 +2119,7 @@
           <a:p>
             <a:fld id="{E1BC3632-A89B-4CA4-861B-02AA664A4B5E}" type="datetimeFigureOut">
               <a:rPr lang="ru-RU" smtClean="0"/>
-              <a:t>17.04.2018</a:t>
+              <a:t>21.04.2018</a:t>
             </a:fld>
             <a:endParaRPr lang="ru-RU"/>
           </a:p>
@@ -2364,7 +2372,7 @@
           <a:p>
             <a:fld id="{E1BC3632-A89B-4CA4-861B-02AA664A4B5E}" type="datetimeFigureOut">
               <a:rPr lang="ru-RU" smtClean="0"/>
-              <a:t>17.04.2018</a:t>
+              <a:t>21.04.2018</a:t>
             </a:fld>
             <a:endParaRPr lang="ru-RU"/>
           </a:p>
@@ -2577,7 +2585,7 @@
           <a:p>
             <a:fld id="{E1BC3632-A89B-4CA4-861B-02AA664A4B5E}" type="datetimeFigureOut">
               <a:rPr lang="ru-RU" smtClean="0"/>
-              <a:t>17.04.2018</a:t>
+              <a:t>21.04.2018</a:t>
             </a:fld>
             <a:endParaRPr lang="ru-RU"/>
           </a:p>
@@ -3347,7 +3355,11 @@
             </a:pPr>
             <a:r>
               <a:rPr lang="ru-RU" dirty="0" smtClean="0"/>
-              <a:t>Менеджер проекта (как сделать востребованный продукт?)</a:t>
+              <a:t>Менеджер проекта </a:t>
+            </a:r>
+            <a:r>
+              <a:rPr lang="ru-RU" dirty="0"/>
+              <a:t>(как успеть сдать проект?)</a:t>
             </a:r>
           </a:p>
           <a:p>
@@ -3358,15 +3370,16 @@
             </a:pPr>
             <a:r>
               <a:rPr lang="ru-RU" dirty="0" smtClean="0"/>
-              <a:t>Менеджер продукта (как успеть сдать проект?)</a:t>
-            </a:r>
-          </a:p>
-          <a:p>
-            <a:pPr>
-              <a:lnSpc>
-                <a:spcPct val="100000"/>
-              </a:lnSpc>
-            </a:pPr>
+              <a:t>Менеджер продукта</a:t>
+            </a:r>
+            <a:r>
+              <a:rPr lang="en-US" dirty="0" smtClean="0"/>
+              <a:t> </a:t>
+            </a:r>
+            <a:r>
+              <a:rPr lang="ru-RU" dirty="0"/>
+              <a:t>(как сделать востребованный продукт?)</a:t>
+            </a:r>
             <a:endParaRPr lang="ru-RU" dirty="0"/>
           </a:p>
         </p:txBody>
@@ -4211,6 +4224,12 @@
             </a:r>
           </a:p>
           <a:p>
+            <a:r>
+              <a:rPr lang="ru-RU" dirty="0" smtClean="0"/>
+              <a:t>Игры</a:t>
+            </a:r>
+          </a:p>
+          <a:p>
             <a:endParaRPr lang="ru-RU" dirty="0" smtClean="0"/>
           </a:p>
         </p:txBody>
@@ -4538,6 +4557,264 @@
     <p:extLst>
       <p:ext uri="{BB962C8B-B14F-4D97-AF65-F5344CB8AC3E}">
         <p14:creationId xmlns:p14="http://schemas.microsoft.com/office/powerpoint/2010/main" val="2027647026"/>
+      </p:ext>
+    </p:extLst>
+  </p:cSld>
+  <p:clrMapOvr>
+    <a:masterClrMapping/>
+  </p:clrMapOvr>
+</p:sld>
+</file>
+
+<file path=ppt/slides/slide20.xml><?xml version="1.0" encoding="utf-8"?>
+<p:sld xmlns:a="http://schemas.openxmlformats.org/drawingml/2006/main" xmlns:r="http://schemas.openxmlformats.org/officeDocument/2006/relationships" xmlns:p="http://schemas.openxmlformats.org/presentationml/2006/main">
+  <p:cSld>
+    <p:spTree>
+      <p:nvGrpSpPr>
+        <p:cNvPr id="1" name=""/>
+        <p:cNvGrpSpPr/>
+        <p:nvPr/>
+      </p:nvGrpSpPr>
+      <p:grpSpPr>
+        <a:xfrm>
+          <a:off x="0" y="0"/>
+          <a:ext cx="0" cy="0"/>
+          <a:chOff x="0" y="0"/>
+          <a:chExt cx="0" cy="0"/>
+        </a:xfrm>
+      </p:grpSpPr>
+      <p:sp>
+        <p:nvSpPr>
+          <p:cNvPr id="5" name="Заголовок 4"/>
+          <p:cNvSpPr>
+            <a:spLocks noGrp="1"/>
+          </p:cNvSpPr>
+          <p:nvPr>
+            <p:ph type="title"/>
+          </p:nvPr>
+        </p:nvSpPr>
+        <p:spPr/>
+        <p:txBody>
+          <a:bodyPr/>
+          <a:lstStyle/>
+          <a:p>
+            <a:r>
+              <a:rPr lang="ru-RU" dirty="0"/>
+              <a:t>Индекс </a:t>
+            </a:r>
+            <a:r>
+              <a:rPr lang="en-US" dirty="0"/>
+              <a:t>TIOBE</a:t>
+            </a:r>
+            <a:endParaRPr lang="ru-RU" dirty="0"/>
+          </a:p>
+        </p:txBody>
+      </p:sp>
+      <p:pic>
+        <p:nvPicPr>
+          <p:cNvPr id="7" name="Объект 4">
+            <a:extLst>
+              <a:ext uri="{FF2B5EF4-FFF2-40B4-BE49-F238E27FC236}">
+                <a16:creationId xmlns:a16="http://schemas.microsoft.com/office/drawing/2014/main" id="{492BC8F0-2583-48FB-A3C3-1DCBF3C128DB}"/>
+              </a:ext>
+            </a:extLst>
+          </p:cNvPr>
+          <p:cNvPicPr>
+            <a:picLocks noGrp="1" noChangeAspect="1"/>
+          </p:cNvPicPr>
+          <p:nvPr>
+            <p:ph idx="1"/>
+          </p:nvPr>
+        </p:nvPicPr>
+        <p:blipFill>
+          <a:blip r:embed="rId2"/>
+          <a:stretch>
+            <a:fillRect/>
+          </a:stretch>
+        </p:blipFill>
+        <p:spPr>
+          <a:xfrm>
+            <a:off x="1605687" y="1825625"/>
+            <a:ext cx="8980625" cy="4351338"/>
+          </a:xfrm>
+        </p:spPr>
+      </p:pic>
+    </p:spTree>
+    <p:extLst>
+      <p:ext uri="{BB962C8B-B14F-4D97-AF65-F5344CB8AC3E}">
+        <p14:creationId xmlns:p14="http://schemas.microsoft.com/office/powerpoint/2010/main" val="4070559127"/>
+      </p:ext>
+    </p:extLst>
+  </p:cSld>
+  <p:clrMapOvr>
+    <a:masterClrMapping/>
+  </p:clrMapOvr>
+</p:sld>
+</file>
+
+<file path=ppt/slides/slide21.xml><?xml version="1.0" encoding="utf-8"?>
+<p:sld xmlns:a="http://schemas.openxmlformats.org/drawingml/2006/main" xmlns:r="http://schemas.openxmlformats.org/officeDocument/2006/relationships" xmlns:p="http://schemas.openxmlformats.org/presentationml/2006/main">
+  <p:cSld>
+    <p:spTree>
+      <p:nvGrpSpPr>
+        <p:cNvPr id="1" name=""/>
+        <p:cNvGrpSpPr/>
+        <p:nvPr/>
+      </p:nvGrpSpPr>
+      <p:grpSpPr>
+        <a:xfrm>
+          <a:off x="0" y="0"/>
+          <a:ext cx="0" cy="0"/>
+          <a:chOff x="0" y="0"/>
+          <a:chExt cx="0" cy="0"/>
+        </a:xfrm>
+      </p:grpSpPr>
+      <p:sp>
+        <p:nvSpPr>
+          <p:cNvPr id="2" name="Заголовок 1"/>
+          <p:cNvSpPr>
+            <a:spLocks noGrp="1"/>
+          </p:cNvSpPr>
+          <p:nvPr>
+            <p:ph type="title"/>
+          </p:nvPr>
+        </p:nvSpPr>
+        <p:spPr/>
+        <p:txBody>
+          <a:bodyPr/>
+          <a:lstStyle/>
+          <a:p>
+            <a:r>
+              <a:rPr lang="ru-RU" dirty="0"/>
+              <a:t>Индекс </a:t>
+            </a:r>
+            <a:r>
+              <a:rPr lang="en-US"/>
+              <a:t>Redmonk</a:t>
+            </a:r>
+            <a:endParaRPr lang="ru-RU"/>
+          </a:p>
+        </p:txBody>
+      </p:sp>
+      <p:pic>
+        <p:nvPicPr>
+          <p:cNvPr id="4" name="Объект 4">
+            <a:extLst>
+              <a:ext uri="{FF2B5EF4-FFF2-40B4-BE49-F238E27FC236}">
+                <a16:creationId xmlns:a16="http://schemas.microsoft.com/office/drawing/2014/main" id="{310AB037-0D7A-4208-A1FD-114F4E95360B}"/>
+              </a:ext>
+            </a:extLst>
+          </p:cNvPr>
+          <p:cNvPicPr>
+            <a:picLocks noGrp="1" noChangeAspect="1"/>
+          </p:cNvPicPr>
+          <p:nvPr>
+            <p:ph idx="1"/>
+          </p:nvPr>
+        </p:nvPicPr>
+        <p:blipFill>
+          <a:blip r:embed="rId2"/>
+          <a:stretch>
+            <a:fillRect/>
+          </a:stretch>
+        </p:blipFill>
+        <p:spPr>
+          <a:xfrm>
+            <a:off x="2825822" y="1825625"/>
+            <a:ext cx="6540355" cy="4351338"/>
+          </a:xfrm>
+        </p:spPr>
+      </p:pic>
+    </p:spTree>
+    <p:extLst>
+      <p:ext uri="{BB962C8B-B14F-4D97-AF65-F5344CB8AC3E}">
+        <p14:creationId xmlns:p14="http://schemas.microsoft.com/office/powerpoint/2010/main" val="2224033448"/>
+      </p:ext>
+    </p:extLst>
+  </p:cSld>
+  <p:clrMapOvr>
+    <a:masterClrMapping/>
+  </p:clrMapOvr>
+</p:sld>
+</file>
+
+<file path=ppt/slides/slide22.xml><?xml version="1.0" encoding="utf-8"?>
+<p:sld xmlns:a="http://schemas.openxmlformats.org/drawingml/2006/main" xmlns:r="http://schemas.openxmlformats.org/officeDocument/2006/relationships" xmlns:p="http://schemas.openxmlformats.org/presentationml/2006/main">
+  <p:cSld>
+    <p:spTree>
+      <p:nvGrpSpPr>
+        <p:cNvPr id="1" name=""/>
+        <p:cNvGrpSpPr/>
+        <p:nvPr/>
+      </p:nvGrpSpPr>
+      <p:grpSpPr>
+        <a:xfrm>
+          <a:off x="0" y="0"/>
+          <a:ext cx="0" cy="0"/>
+          <a:chOff x="0" y="0"/>
+          <a:chExt cx="0" cy="0"/>
+        </a:xfrm>
+      </p:grpSpPr>
+      <p:sp>
+        <p:nvSpPr>
+          <p:cNvPr id="2" name="Заголовок 1"/>
+          <p:cNvSpPr>
+            <a:spLocks noGrp="1"/>
+          </p:cNvSpPr>
+          <p:nvPr>
+            <p:ph type="title"/>
+          </p:nvPr>
+        </p:nvSpPr>
+        <p:spPr/>
+        <p:txBody>
+          <a:bodyPr/>
+          <a:lstStyle/>
+          <a:p>
+            <a:r>
+              <a:rPr lang="ru-RU" dirty="0"/>
+              <a:t>Индекс </a:t>
+            </a:r>
+            <a:r>
+              <a:rPr lang="en-US" dirty="0"/>
+              <a:t>IEEE Spectrum</a:t>
+            </a:r>
+            <a:endParaRPr lang="ru-RU" dirty="0"/>
+          </a:p>
+        </p:txBody>
+      </p:sp>
+      <p:pic>
+        <p:nvPicPr>
+          <p:cNvPr id="4" name="Объект 4">
+            <a:extLst>
+              <a:ext uri="{FF2B5EF4-FFF2-40B4-BE49-F238E27FC236}">
+                <a16:creationId xmlns:a16="http://schemas.microsoft.com/office/drawing/2014/main" id="{28A3726A-4771-4DE6-B162-7431F27FDC68}"/>
+              </a:ext>
+            </a:extLst>
+          </p:cNvPr>
+          <p:cNvPicPr>
+            <a:picLocks noGrp="1" noChangeAspect="1"/>
+          </p:cNvPicPr>
+          <p:nvPr>
+            <p:ph idx="1"/>
+          </p:nvPr>
+        </p:nvPicPr>
+        <p:blipFill>
+          <a:blip r:embed="rId2"/>
+          <a:stretch>
+            <a:fillRect/>
+          </a:stretch>
+        </p:blipFill>
+        <p:spPr>
+          <a:xfrm>
+            <a:off x="2490768" y="1825625"/>
+            <a:ext cx="7210463" cy="4351338"/>
+          </a:xfrm>
+        </p:spPr>
+      </p:pic>
+    </p:spTree>
+    <p:extLst>
+      <p:ext uri="{BB962C8B-B14F-4D97-AF65-F5344CB8AC3E}">
+        <p14:creationId xmlns:p14="http://schemas.microsoft.com/office/powerpoint/2010/main" val="4072498757"/>
       </p:ext>
     </p:extLst>
   </p:cSld>
